--- a/instructions.pptx
+++ b/instructions.pptx
@@ -217,7 +217,7 @@
           <a:p>
             <a:fld id="{92CEA86C-46A4-B54F-8A61-C6B98DADAF97}" type="datetimeFigureOut">
               <a:rPr lang="en-US" smtClean="0"/>
-              <a:t>12/4/19</a:t>
+              <a:t>12/13/19</a:t>
             </a:fld>
             <a:endParaRPr lang="en-US"/>
           </a:p>
@@ -528,25 +528,7 @@
           <a:bodyPr/>
           <a:lstStyle/>
           <a:p>
-            <a:r>
-              <a:rPr lang="en-US" dirty="0"/>
-              <a:t>On each trial you will encounter a trashcan. The grey shade indicates how much trash it contains. </a:t>
-            </a:r>
-          </a:p>
-          <a:p>
             <a:endParaRPr lang="en-US" dirty="0"/>
-          </a:p>
-          <a:p>
-            <a:r>
-              <a:rPr lang="en-US" dirty="0"/>
-              <a:t>If you decide to recycle it, it will take you sometime to finish the recycling and at the end of the trial you will get a feedback about how much you earn</a:t>
-            </a:r>
-          </a:p>
-          <a:p>
-            <a:r>
-              <a:rPr lang="en-US" dirty="0"/>
-              <a:t>If you decide to forgo it, you will not spend any extra time, and you will also receive a feedback.</a:t>
-            </a:r>
           </a:p>
         </p:txBody>
       </p:sp>
@@ -565,9 +547,9 @@
           <a:bodyPr/>
           <a:lstStyle/>
           <a:p>
-            <a:fld id="{BE38828B-86C6-FD4D-A810-628816F3D065}" type="slidenum">
+            <a:fld id="{C4518003-0FA4-4F4C-AF0F-9D7422333DF0}" type="slidenum">
               <a:rPr lang="en-US" smtClean="0"/>
-              <a:t>3</a:t>
+              <a:t>2</a:t>
             </a:fld>
             <a:endParaRPr lang="en-US"/>
           </a:p>
@@ -576,7 +558,7 @@
     </p:spTree>
     <p:extLst>
       <p:ext uri="{BB962C8B-B14F-4D97-AF65-F5344CB8AC3E}">
-        <p14:creationId xmlns:p14="http://schemas.microsoft.com/office/powerpoint/2010/main" val="1947373920"/>
+        <p14:creationId xmlns:p14="http://schemas.microsoft.com/office/powerpoint/2010/main" val="2523518575"/>
       </p:ext>
     </p:extLst>
   </p:cSld>
@@ -651,7 +633,7 @@
           <a:p>
             <a:fld id="{C4518003-0FA4-4F4C-AF0F-9D7422333DF0}" type="slidenum">
               <a:rPr lang="en-US" smtClean="0"/>
-              <a:t>13</a:t>
+              <a:t>12</a:t>
             </a:fld>
             <a:endParaRPr lang="en-US"/>
           </a:p>
@@ -660,7 +642,7 @@
     </p:spTree>
     <p:extLst>
       <p:ext uri="{BB962C8B-B14F-4D97-AF65-F5344CB8AC3E}">
-        <p14:creationId xmlns:p14="http://schemas.microsoft.com/office/powerpoint/2010/main" val="1907463746"/>
+        <p14:creationId xmlns:p14="http://schemas.microsoft.com/office/powerpoint/2010/main" val="818300475"/>
       </p:ext>
     </p:extLst>
   </p:cSld>
@@ -735,7 +717,7 @@
           <a:p>
             <a:fld id="{C4518003-0FA4-4F4C-AF0F-9D7422333DF0}" type="slidenum">
               <a:rPr lang="en-US" smtClean="0"/>
-              <a:t>14</a:t>
+              <a:t>13</a:t>
             </a:fld>
             <a:endParaRPr lang="en-US"/>
           </a:p>
@@ -744,7 +726,7 @@
     </p:spTree>
     <p:extLst>
       <p:ext uri="{BB962C8B-B14F-4D97-AF65-F5344CB8AC3E}">
-        <p14:creationId xmlns:p14="http://schemas.microsoft.com/office/powerpoint/2010/main" val="1217300930"/>
+        <p14:creationId xmlns:p14="http://schemas.microsoft.com/office/powerpoint/2010/main" val="1907463746"/>
       </p:ext>
     </p:extLst>
   </p:cSld>
@@ -819,7 +801,7 @@
           <a:p>
             <a:fld id="{C4518003-0FA4-4F4C-AF0F-9D7422333DF0}" type="slidenum">
               <a:rPr lang="en-US" smtClean="0"/>
-              <a:t>15</a:t>
+              <a:t>14</a:t>
             </a:fld>
             <a:endParaRPr lang="en-US"/>
           </a:p>
@@ -828,7 +810,7 @@
     </p:spTree>
     <p:extLst>
       <p:ext uri="{BB962C8B-B14F-4D97-AF65-F5344CB8AC3E}">
-        <p14:creationId xmlns:p14="http://schemas.microsoft.com/office/powerpoint/2010/main" val="1490813797"/>
+        <p14:creationId xmlns:p14="http://schemas.microsoft.com/office/powerpoint/2010/main" val="1217300930"/>
       </p:ext>
     </p:extLst>
   </p:cSld>
@@ -903,6 +885,90 @@
           <a:p>
             <a:fld id="{C4518003-0FA4-4F4C-AF0F-9D7422333DF0}" type="slidenum">
               <a:rPr lang="en-US" smtClean="0"/>
+              <a:t>15</a:t>
+            </a:fld>
+            <a:endParaRPr lang="en-US"/>
+          </a:p>
+        </p:txBody>
+      </p:sp>
+    </p:spTree>
+    <p:extLst>
+      <p:ext uri="{BB962C8B-B14F-4D97-AF65-F5344CB8AC3E}">
+        <p14:creationId xmlns:p14="http://schemas.microsoft.com/office/powerpoint/2010/main" val="1490813797"/>
+      </p:ext>
+    </p:extLst>
+  </p:cSld>
+  <p:clrMapOvr>
+    <a:masterClrMapping/>
+  </p:clrMapOvr>
+</p:notes>
+</file>
+
+<file path=ppt/notesSlides/notesSlide14.xml><?xml version="1.0" encoding="utf-8"?>
+<p:notes xmlns:a="http://schemas.openxmlformats.org/drawingml/2006/main" xmlns:r="http://schemas.openxmlformats.org/officeDocument/2006/relationships" xmlns:p="http://schemas.openxmlformats.org/presentationml/2006/main">
+  <p:cSld>
+    <p:spTree>
+      <p:nvGrpSpPr>
+        <p:cNvPr id="1" name=""/>
+        <p:cNvGrpSpPr/>
+        <p:nvPr/>
+      </p:nvGrpSpPr>
+      <p:grpSpPr>
+        <a:xfrm>
+          <a:off x="0" y="0"/>
+          <a:ext cx="0" cy="0"/>
+          <a:chOff x="0" y="0"/>
+          <a:chExt cx="0" cy="0"/>
+        </a:xfrm>
+      </p:grpSpPr>
+      <p:sp>
+        <p:nvSpPr>
+          <p:cNvPr id="2" name="Slide Image Placeholder 1"/>
+          <p:cNvSpPr>
+            <a:spLocks noGrp="1" noRot="1" noChangeAspect="1"/>
+          </p:cNvSpPr>
+          <p:nvPr>
+            <p:ph type="sldImg"/>
+          </p:nvPr>
+        </p:nvSpPr>
+        <p:spPr/>
+      </p:sp>
+      <p:sp>
+        <p:nvSpPr>
+          <p:cNvPr id="3" name="Notes Placeholder 2"/>
+          <p:cNvSpPr>
+            <a:spLocks noGrp="1"/>
+          </p:cNvSpPr>
+          <p:nvPr>
+            <p:ph type="body" idx="1"/>
+          </p:nvPr>
+        </p:nvSpPr>
+        <p:spPr/>
+        <p:txBody>
+          <a:bodyPr/>
+          <a:lstStyle/>
+          <a:p>
+            <a:endParaRPr lang="en-US" dirty="0"/>
+          </a:p>
+        </p:txBody>
+      </p:sp>
+      <p:sp>
+        <p:nvSpPr>
+          <p:cNvPr id="4" name="Slide Number Placeholder 3"/>
+          <p:cNvSpPr>
+            <a:spLocks noGrp="1"/>
+          </p:cNvSpPr>
+          <p:nvPr>
+            <p:ph type="sldNum" sz="quarter" idx="10"/>
+          </p:nvPr>
+        </p:nvSpPr>
+        <p:spPr/>
+        <p:txBody>
+          <a:bodyPr/>
+          <a:lstStyle/>
+          <a:p>
+            <a:fld id="{C4518003-0FA4-4F4C-AF0F-9D7422333DF0}" type="slidenum">
+              <a:rPr lang="en-US" smtClean="0"/>
               <a:t>16</a:t>
             </a:fld>
             <a:endParaRPr lang="en-US"/>
@@ -922,7 +988,7 @@
 </p:notes>
 </file>
 
-<file path=ppt/notesSlides/notesSlide14.xml><?xml version="1.0" encoding="utf-8"?>
+<file path=ppt/notesSlides/notesSlide15.xml><?xml version="1.0" encoding="utf-8"?>
 <p:notes xmlns:a="http://schemas.openxmlformats.org/drawingml/2006/main" xmlns:r="http://schemas.openxmlformats.org/officeDocument/2006/relationships" xmlns:p="http://schemas.openxmlformats.org/presentationml/2006/main">
   <p:cSld>
     <p:spTree>
@@ -1069,9 +1135,9 @@
           <a:bodyPr/>
           <a:lstStyle/>
           <a:p>
-            <a:fld id="{C4518003-0FA4-4F4C-AF0F-9D7422333DF0}" type="slidenum">
+            <a:fld id="{BE38828B-86C6-FD4D-A810-628816F3D065}" type="slidenum">
               <a:rPr lang="en-US" smtClean="0"/>
-              <a:t>4</a:t>
+              <a:t>3</a:t>
             </a:fld>
             <a:endParaRPr lang="en-US"/>
           </a:p>
@@ -1080,7 +1146,7 @@
     </p:spTree>
     <p:extLst>
       <p:ext uri="{BB962C8B-B14F-4D97-AF65-F5344CB8AC3E}">
-        <p14:creationId xmlns:p14="http://schemas.microsoft.com/office/powerpoint/2010/main" val="2099128624"/>
+        <p14:creationId xmlns:p14="http://schemas.microsoft.com/office/powerpoint/2010/main" val="1947373920"/>
       </p:ext>
     </p:extLst>
   </p:cSld>
@@ -1134,7 +1200,10 @@
           <a:bodyPr/>
           <a:lstStyle/>
           <a:p>
-            <a:endParaRPr lang="en-US" dirty="0"/>
+            <a:r>
+              <a:rPr lang="en-US" dirty="0"/>
+              <a:t>You will start the experiment by searching for a new trashcan.</a:t>
+            </a:r>
           </a:p>
         </p:txBody>
       </p:sp>
@@ -1145,7 +1214,7 @@
             <a:spLocks noGrp="1"/>
           </p:cNvSpPr>
           <p:nvPr>
-            <p:ph type="sldNum" sz="quarter" idx="10"/>
+            <p:ph type="sldNum" sz="quarter" idx="5"/>
           </p:nvPr>
         </p:nvSpPr>
         <p:spPr/>
@@ -1155,7 +1224,7 @@
           <a:p>
             <a:fld id="{C4518003-0FA4-4F4C-AF0F-9D7422333DF0}" type="slidenum">
               <a:rPr lang="en-US" smtClean="0"/>
-              <a:t>6</a:t>
+              <a:t>4</a:t>
             </a:fld>
             <a:endParaRPr lang="en-US"/>
           </a:p>
@@ -1164,7 +1233,7 @@
     </p:spTree>
     <p:extLst>
       <p:ext uri="{BB962C8B-B14F-4D97-AF65-F5344CB8AC3E}">
-        <p14:creationId xmlns:p14="http://schemas.microsoft.com/office/powerpoint/2010/main" val="1074799985"/>
+        <p14:creationId xmlns:p14="http://schemas.microsoft.com/office/powerpoint/2010/main" val="2099128624"/>
       </p:ext>
     </p:extLst>
   </p:cSld>
@@ -1239,7 +1308,7 @@
           <a:p>
             <a:fld id="{C4518003-0FA4-4F4C-AF0F-9D7422333DF0}" type="slidenum">
               <a:rPr lang="en-US" smtClean="0"/>
-              <a:t>7</a:t>
+              <a:t>6</a:t>
             </a:fld>
             <a:endParaRPr lang="en-US"/>
           </a:p>
@@ -1248,7 +1317,7 @@
     </p:spTree>
     <p:extLst>
       <p:ext uri="{BB962C8B-B14F-4D97-AF65-F5344CB8AC3E}">
-        <p14:creationId xmlns:p14="http://schemas.microsoft.com/office/powerpoint/2010/main" val="238365548"/>
+        <p14:creationId xmlns:p14="http://schemas.microsoft.com/office/powerpoint/2010/main" val="1074799985"/>
       </p:ext>
     </p:extLst>
   </p:cSld>
@@ -1323,7 +1392,7 @@
           <a:p>
             <a:fld id="{C4518003-0FA4-4F4C-AF0F-9D7422333DF0}" type="slidenum">
               <a:rPr lang="en-US" smtClean="0"/>
-              <a:t>8</a:t>
+              <a:t>7</a:t>
             </a:fld>
             <a:endParaRPr lang="en-US"/>
           </a:p>
@@ -1332,7 +1401,7 @@
     </p:spTree>
     <p:extLst>
       <p:ext uri="{BB962C8B-B14F-4D97-AF65-F5344CB8AC3E}">
-        <p14:creationId xmlns:p14="http://schemas.microsoft.com/office/powerpoint/2010/main" val="1528891781"/>
+        <p14:creationId xmlns:p14="http://schemas.microsoft.com/office/powerpoint/2010/main" val="238365548"/>
       </p:ext>
     </p:extLst>
   </p:cSld>
@@ -1407,7 +1476,7 @@
           <a:p>
             <a:fld id="{C4518003-0FA4-4F4C-AF0F-9D7422333DF0}" type="slidenum">
               <a:rPr lang="en-US" smtClean="0"/>
-              <a:t>9</a:t>
+              <a:t>8</a:t>
             </a:fld>
             <a:endParaRPr lang="en-US"/>
           </a:p>
@@ -1416,7 +1485,7 @@
     </p:spTree>
     <p:extLst>
       <p:ext uri="{BB962C8B-B14F-4D97-AF65-F5344CB8AC3E}">
-        <p14:creationId xmlns:p14="http://schemas.microsoft.com/office/powerpoint/2010/main" val="779578687"/>
+        <p14:creationId xmlns:p14="http://schemas.microsoft.com/office/powerpoint/2010/main" val="1528891781"/>
       </p:ext>
     </p:extLst>
   </p:cSld>
@@ -1491,7 +1560,7 @@
           <a:p>
             <a:fld id="{C4518003-0FA4-4F4C-AF0F-9D7422333DF0}" type="slidenum">
               <a:rPr lang="en-US" smtClean="0"/>
-              <a:t>10</a:t>
+              <a:t>9</a:t>
             </a:fld>
             <a:endParaRPr lang="en-US"/>
           </a:p>
@@ -1500,7 +1569,7 @@
     </p:spTree>
     <p:extLst>
       <p:ext uri="{BB962C8B-B14F-4D97-AF65-F5344CB8AC3E}">
-        <p14:creationId xmlns:p14="http://schemas.microsoft.com/office/powerpoint/2010/main" val="1634981074"/>
+        <p14:creationId xmlns:p14="http://schemas.microsoft.com/office/powerpoint/2010/main" val="779578687"/>
       </p:ext>
     </p:extLst>
   </p:cSld>
@@ -1575,7 +1644,7 @@
           <a:p>
             <a:fld id="{C4518003-0FA4-4F4C-AF0F-9D7422333DF0}" type="slidenum">
               <a:rPr lang="en-US" smtClean="0"/>
-              <a:t>11</a:t>
+              <a:t>10</a:t>
             </a:fld>
             <a:endParaRPr lang="en-US"/>
           </a:p>
@@ -1584,7 +1653,7 @@
     </p:spTree>
     <p:extLst>
       <p:ext uri="{BB962C8B-B14F-4D97-AF65-F5344CB8AC3E}">
-        <p14:creationId xmlns:p14="http://schemas.microsoft.com/office/powerpoint/2010/main" val="354136153"/>
+        <p14:creationId xmlns:p14="http://schemas.microsoft.com/office/powerpoint/2010/main" val="1634981074"/>
       </p:ext>
     </p:extLst>
   </p:cSld>
@@ -1659,7 +1728,7 @@
           <a:p>
             <a:fld id="{C4518003-0FA4-4F4C-AF0F-9D7422333DF0}" type="slidenum">
               <a:rPr lang="en-US" smtClean="0"/>
-              <a:t>12</a:t>
+              <a:t>11</a:t>
             </a:fld>
             <a:endParaRPr lang="en-US"/>
           </a:p>
@@ -1668,7 +1737,7 @@
     </p:spTree>
     <p:extLst>
       <p:ext uri="{BB962C8B-B14F-4D97-AF65-F5344CB8AC3E}">
-        <p14:creationId xmlns:p14="http://schemas.microsoft.com/office/powerpoint/2010/main" val="818300475"/>
+        <p14:creationId xmlns:p14="http://schemas.microsoft.com/office/powerpoint/2010/main" val="354136153"/>
       </p:ext>
     </p:extLst>
   </p:cSld>
@@ -1809,7 +1878,7 @@
           <a:p>
             <a:fld id="{20197029-4C51-4F4A-ACDB-F133846F9A96}" type="datetimeFigureOut">
               <a:rPr lang="en-US" smtClean="0"/>
-              <a:t>12/4/19</a:t>
+              <a:t>12/13/19</a:t>
             </a:fld>
             <a:endParaRPr lang="en-US"/>
           </a:p>
@@ -1979,7 +2048,7 @@
           <a:p>
             <a:fld id="{20197029-4C51-4F4A-ACDB-F133846F9A96}" type="datetimeFigureOut">
               <a:rPr lang="en-US" smtClean="0"/>
-              <a:t>12/4/19</a:t>
+              <a:t>12/13/19</a:t>
             </a:fld>
             <a:endParaRPr lang="en-US"/>
           </a:p>
@@ -2159,7 +2228,7 @@
           <a:p>
             <a:fld id="{20197029-4C51-4F4A-ACDB-F133846F9A96}" type="datetimeFigureOut">
               <a:rPr lang="en-US" smtClean="0"/>
-              <a:t>12/4/19</a:t>
+              <a:t>12/13/19</a:t>
             </a:fld>
             <a:endParaRPr lang="en-US"/>
           </a:p>
@@ -2329,7 +2398,7 @@
           <a:p>
             <a:fld id="{20197029-4C51-4F4A-ACDB-F133846F9A96}" type="datetimeFigureOut">
               <a:rPr lang="en-US" smtClean="0"/>
-              <a:t>12/4/19</a:t>
+              <a:t>12/13/19</a:t>
             </a:fld>
             <a:endParaRPr lang="en-US"/>
           </a:p>
@@ -2575,7 +2644,7 @@
           <a:p>
             <a:fld id="{20197029-4C51-4F4A-ACDB-F133846F9A96}" type="datetimeFigureOut">
               <a:rPr lang="en-US" smtClean="0"/>
-              <a:t>12/4/19</a:t>
+              <a:t>12/13/19</a:t>
             </a:fld>
             <a:endParaRPr lang="en-US"/>
           </a:p>
@@ -2807,7 +2876,7 @@
           <a:p>
             <a:fld id="{20197029-4C51-4F4A-ACDB-F133846F9A96}" type="datetimeFigureOut">
               <a:rPr lang="en-US" smtClean="0"/>
-              <a:t>12/4/19</a:t>
+              <a:t>12/13/19</a:t>
             </a:fld>
             <a:endParaRPr lang="en-US"/>
           </a:p>
@@ -3174,7 +3243,7 @@
           <a:p>
             <a:fld id="{20197029-4C51-4F4A-ACDB-F133846F9A96}" type="datetimeFigureOut">
               <a:rPr lang="en-US" smtClean="0"/>
-              <a:t>12/4/19</a:t>
+              <a:t>12/13/19</a:t>
             </a:fld>
             <a:endParaRPr lang="en-US"/>
           </a:p>
@@ -3292,7 +3361,7 @@
           <a:p>
             <a:fld id="{20197029-4C51-4F4A-ACDB-F133846F9A96}" type="datetimeFigureOut">
               <a:rPr lang="en-US" smtClean="0"/>
-              <a:t>12/4/19</a:t>
+              <a:t>12/13/19</a:t>
             </a:fld>
             <a:endParaRPr lang="en-US"/>
           </a:p>
@@ -3387,7 +3456,7 @@
           <a:p>
             <a:fld id="{20197029-4C51-4F4A-ACDB-F133846F9A96}" type="datetimeFigureOut">
               <a:rPr lang="en-US" smtClean="0"/>
-              <a:t>12/4/19</a:t>
+              <a:t>12/13/19</a:t>
             </a:fld>
             <a:endParaRPr lang="en-US"/>
           </a:p>
@@ -3664,7 +3733,7 @@
           <a:p>
             <a:fld id="{20197029-4C51-4F4A-ACDB-F133846F9A96}" type="datetimeFigureOut">
               <a:rPr lang="en-US" smtClean="0"/>
-              <a:t>12/4/19</a:t>
+              <a:t>12/13/19</a:t>
             </a:fld>
             <a:endParaRPr lang="en-US"/>
           </a:p>
@@ -3921,7 +3990,7 @@
           <a:p>
             <a:fld id="{20197029-4C51-4F4A-ACDB-F133846F9A96}" type="datetimeFigureOut">
               <a:rPr lang="en-US" smtClean="0"/>
-              <a:t>12/4/19</a:t>
+              <a:t>12/13/19</a:t>
             </a:fld>
             <a:endParaRPr lang="en-US"/>
           </a:p>
@@ -4134,7 +4203,7 @@
           <a:p>
             <a:fld id="{20197029-4C51-4F4A-ACDB-F133846F9A96}" type="datetimeFigureOut">
               <a:rPr lang="en-US" smtClean="0"/>
-              <a:t>12/4/19</a:t>
+              <a:t>12/13/19</a:t>
             </a:fld>
             <a:endParaRPr lang="en-US"/>
           </a:p>
@@ -9136,7 +9205,7 @@
             <a:pPr algn="just"/>
             <a:r>
               <a:rPr lang="en-US" sz="3200" dirty="0"/>
-              <a:t>In the “Recycle Man” experiment, the players search and recycle trashcans to earn rewards.</a:t>
+              <a:t>In the “Recycle Man” experiment, you will search and recycle trashcans to earn rewards.</a:t>
             </a:r>
           </a:p>
           <a:p>
@@ -9147,7 +9216,7 @@
             <a:pPr algn="just"/>
             <a:r>
               <a:rPr lang="en-US" sz="3200" dirty="0"/>
-              <a:t> On each trial, you will spend some time searching for a trashcan and deciding whether to recycle it.</a:t>
+              <a:t>It will take you some time to spot a trashcan. Once you find one, you will have some time to make a decision. </a:t>
             </a:r>
           </a:p>
           <a:p>
@@ -9772,7 +9841,7 @@
             <a:pPr algn="just"/>
             <a:r>
               <a:rPr lang="en-US" sz="3200" dirty="0"/>
-              <a:t>If we summarize the previous slide in schematics,  every trial in the experiment follows the following structure:</a:t>
+              <a:t>If we summarize the previous slide in schematics, the experiment has the following structure:</a:t>
             </a:r>
           </a:p>
         </p:txBody>
@@ -9791,7 +9860,7 @@
 </file>
 
 <file path=ppt/slides/slide5.xml><?xml version="1.0" encoding="utf-8"?>
-<p:sld xmlns:a="http://schemas.openxmlformats.org/drawingml/2006/main" xmlns:r="http://schemas.openxmlformats.org/officeDocument/2006/relationships" xmlns:p="http://schemas.openxmlformats.org/presentationml/2006/main">
+<p:sld xmlns:a="http://schemas.openxmlformats.org/drawingml/2006/main" xmlns:r="http://schemas.openxmlformats.org/officeDocument/2006/relationships" xmlns:p="http://schemas.openxmlformats.org/presentationml/2006/main" show="0">
   <p:cSld>
     <p:spTree>
       <p:nvGrpSpPr>

--- a/instructions.pptx
+++ b/instructions.pptx
@@ -217,7 +217,7 @@
           <a:p>
             <a:fld id="{92CEA86C-46A4-B54F-8A61-C6B98DADAF97}" type="datetimeFigureOut">
               <a:rPr lang="en-US" smtClean="0"/>
-              <a:t>12/4/19</a:t>
+              <a:t>12/13/19</a:t>
             </a:fld>
             <a:endParaRPr lang="en-US"/>
           </a:p>
@@ -1809,7 +1809,7 @@
           <a:p>
             <a:fld id="{20197029-4C51-4F4A-ACDB-F133846F9A96}" type="datetimeFigureOut">
               <a:rPr lang="en-US" smtClean="0"/>
-              <a:t>12/4/19</a:t>
+              <a:t>12/13/19</a:t>
             </a:fld>
             <a:endParaRPr lang="en-US"/>
           </a:p>
@@ -1979,7 +1979,7 @@
           <a:p>
             <a:fld id="{20197029-4C51-4F4A-ACDB-F133846F9A96}" type="datetimeFigureOut">
               <a:rPr lang="en-US" smtClean="0"/>
-              <a:t>12/4/19</a:t>
+              <a:t>12/13/19</a:t>
             </a:fld>
             <a:endParaRPr lang="en-US"/>
           </a:p>
@@ -2159,7 +2159,7 @@
           <a:p>
             <a:fld id="{20197029-4C51-4F4A-ACDB-F133846F9A96}" type="datetimeFigureOut">
               <a:rPr lang="en-US" smtClean="0"/>
-              <a:t>12/4/19</a:t>
+              <a:t>12/13/19</a:t>
             </a:fld>
             <a:endParaRPr lang="en-US"/>
           </a:p>
@@ -2329,7 +2329,7 @@
           <a:p>
             <a:fld id="{20197029-4C51-4F4A-ACDB-F133846F9A96}" type="datetimeFigureOut">
               <a:rPr lang="en-US" smtClean="0"/>
-              <a:t>12/4/19</a:t>
+              <a:t>12/13/19</a:t>
             </a:fld>
             <a:endParaRPr lang="en-US"/>
           </a:p>
@@ -2575,7 +2575,7 @@
           <a:p>
             <a:fld id="{20197029-4C51-4F4A-ACDB-F133846F9A96}" type="datetimeFigureOut">
               <a:rPr lang="en-US" smtClean="0"/>
-              <a:t>12/4/19</a:t>
+              <a:t>12/13/19</a:t>
             </a:fld>
             <a:endParaRPr lang="en-US"/>
           </a:p>
@@ -2807,7 +2807,7 @@
           <a:p>
             <a:fld id="{20197029-4C51-4F4A-ACDB-F133846F9A96}" type="datetimeFigureOut">
               <a:rPr lang="en-US" smtClean="0"/>
-              <a:t>12/4/19</a:t>
+              <a:t>12/13/19</a:t>
             </a:fld>
             <a:endParaRPr lang="en-US"/>
           </a:p>
@@ -3174,7 +3174,7 @@
           <a:p>
             <a:fld id="{20197029-4C51-4F4A-ACDB-F133846F9A96}" type="datetimeFigureOut">
               <a:rPr lang="en-US" smtClean="0"/>
-              <a:t>12/4/19</a:t>
+              <a:t>12/13/19</a:t>
             </a:fld>
             <a:endParaRPr lang="en-US"/>
           </a:p>
@@ -3292,7 +3292,7 @@
           <a:p>
             <a:fld id="{20197029-4C51-4F4A-ACDB-F133846F9A96}" type="datetimeFigureOut">
               <a:rPr lang="en-US" smtClean="0"/>
-              <a:t>12/4/19</a:t>
+              <a:t>12/13/19</a:t>
             </a:fld>
             <a:endParaRPr lang="en-US"/>
           </a:p>
@@ -3387,7 +3387,7 @@
           <a:p>
             <a:fld id="{20197029-4C51-4F4A-ACDB-F133846F9A96}" type="datetimeFigureOut">
               <a:rPr lang="en-US" smtClean="0"/>
-              <a:t>12/4/19</a:t>
+              <a:t>12/13/19</a:t>
             </a:fld>
             <a:endParaRPr lang="en-US"/>
           </a:p>
@@ -3664,7 +3664,7 @@
           <a:p>
             <a:fld id="{20197029-4C51-4F4A-ACDB-F133846F9A96}" type="datetimeFigureOut">
               <a:rPr lang="en-US" smtClean="0"/>
-              <a:t>12/4/19</a:t>
+              <a:t>12/13/19</a:t>
             </a:fld>
             <a:endParaRPr lang="en-US"/>
           </a:p>
@@ -3921,7 +3921,7 @@
           <a:p>
             <a:fld id="{20197029-4C51-4F4A-ACDB-F133846F9A96}" type="datetimeFigureOut">
               <a:rPr lang="en-US" smtClean="0"/>
-              <a:t>12/4/19</a:t>
+              <a:t>12/13/19</a:t>
             </a:fld>
             <a:endParaRPr lang="en-US"/>
           </a:p>
@@ -4134,7 +4134,7 @@
           <a:p>
             <a:fld id="{20197029-4C51-4F4A-ACDB-F133846F9A96}" type="datetimeFigureOut">
               <a:rPr lang="en-US" smtClean="0"/>
-              <a:t>12/4/19</a:t>
+              <a:t>12/13/19</a:t>
             </a:fld>
             <a:endParaRPr lang="en-US"/>
           </a:p>
